--- a/Grover.pptx
+++ b/Grover.pptx
@@ -212,7 +212,7 @@
           <a:p>
             <a:fld id="{637E29B6-773A-4D7D-A9AB-FA129AB6E945}" type="datetimeFigureOut">
               <a:rPr lang="it-IT" smtClean="0"/>
-              <a:t>25/01/2026</a:t>
+              <a:t>29/01/2026</a:t>
             </a:fld>
             <a:endParaRPr lang="it-IT"/>
           </a:p>
@@ -1034,7 +1034,7 @@
           <a:p>
             <a:fld id="{0B9D3100-9B43-4655-971A-302724C69967}" type="datetimeFigureOut">
               <a:rPr lang="it-IT" smtClean="0"/>
-              <a:t>25/01/2026</a:t>
+              <a:t>29/01/2026</a:t>
             </a:fld>
             <a:endParaRPr lang="it-IT"/>
           </a:p>
@@ -1232,7 +1232,7 @@
           <a:p>
             <a:fld id="{0B9D3100-9B43-4655-971A-302724C69967}" type="datetimeFigureOut">
               <a:rPr lang="it-IT" smtClean="0"/>
-              <a:t>25/01/2026</a:t>
+              <a:t>29/01/2026</a:t>
             </a:fld>
             <a:endParaRPr lang="it-IT"/>
           </a:p>
@@ -1440,7 +1440,7 @@
           <a:p>
             <a:fld id="{0B9D3100-9B43-4655-971A-302724C69967}" type="datetimeFigureOut">
               <a:rPr lang="it-IT" smtClean="0"/>
-              <a:t>25/01/2026</a:t>
+              <a:t>29/01/2026</a:t>
             </a:fld>
             <a:endParaRPr lang="it-IT"/>
           </a:p>
@@ -1638,7 +1638,7 @@
           <a:p>
             <a:fld id="{0B9D3100-9B43-4655-971A-302724C69967}" type="datetimeFigureOut">
               <a:rPr lang="it-IT" smtClean="0"/>
-              <a:t>25/01/2026</a:t>
+              <a:t>29/01/2026</a:t>
             </a:fld>
             <a:endParaRPr lang="it-IT"/>
           </a:p>
@@ -1913,7 +1913,7 @@
           <a:p>
             <a:fld id="{0B9D3100-9B43-4655-971A-302724C69967}" type="datetimeFigureOut">
               <a:rPr lang="it-IT" smtClean="0"/>
-              <a:t>25/01/2026</a:t>
+              <a:t>29/01/2026</a:t>
             </a:fld>
             <a:endParaRPr lang="it-IT"/>
           </a:p>
@@ -2178,7 +2178,7 @@
           <a:p>
             <a:fld id="{0B9D3100-9B43-4655-971A-302724C69967}" type="datetimeFigureOut">
               <a:rPr lang="it-IT" smtClean="0"/>
-              <a:t>25/01/2026</a:t>
+              <a:t>29/01/2026</a:t>
             </a:fld>
             <a:endParaRPr lang="it-IT"/>
           </a:p>
@@ -2590,7 +2590,7 @@
           <a:p>
             <a:fld id="{0B9D3100-9B43-4655-971A-302724C69967}" type="datetimeFigureOut">
               <a:rPr lang="it-IT" smtClean="0"/>
-              <a:t>25/01/2026</a:t>
+              <a:t>29/01/2026</a:t>
             </a:fld>
             <a:endParaRPr lang="it-IT"/>
           </a:p>
@@ -2731,7 +2731,7 @@
           <a:p>
             <a:fld id="{0B9D3100-9B43-4655-971A-302724C69967}" type="datetimeFigureOut">
               <a:rPr lang="it-IT" smtClean="0"/>
-              <a:t>25/01/2026</a:t>
+              <a:t>29/01/2026</a:t>
             </a:fld>
             <a:endParaRPr lang="it-IT"/>
           </a:p>
@@ -2844,7 +2844,7 @@
           <a:p>
             <a:fld id="{0B9D3100-9B43-4655-971A-302724C69967}" type="datetimeFigureOut">
               <a:rPr lang="it-IT" smtClean="0"/>
-              <a:t>25/01/2026</a:t>
+              <a:t>29/01/2026</a:t>
             </a:fld>
             <a:endParaRPr lang="it-IT"/>
           </a:p>
@@ -3155,7 +3155,7 @@
           <a:p>
             <a:fld id="{0B9D3100-9B43-4655-971A-302724C69967}" type="datetimeFigureOut">
               <a:rPr lang="it-IT" smtClean="0"/>
-              <a:t>25/01/2026</a:t>
+              <a:t>29/01/2026</a:t>
             </a:fld>
             <a:endParaRPr lang="it-IT"/>
           </a:p>
@@ -3443,7 +3443,7 @@
           <a:p>
             <a:fld id="{0B9D3100-9B43-4655-971A-302724C69967}" type="datetimeFigureOut">
               <a:rPr lang="it-IT" smtClean="0"/>
-              <a:t>25/01/2026</a:t>
+              <a:t>29/01/2026</a:t>
             </a:fld>
             <a:endParaRPr lang="it-IT"/>
           </a:p>
@@ -3684,7 +3684,7 @@
           <a:p>
             <a:fld id="{0B9D3100-9B43-4655-971A-302724C69967}" type="datetimeFigureOut">
               <a:rPr lang="it-IT" smtClean="0"/>
-              <a:t>25/01/2026</a:t>
+              <a:t>29/01/2026</a:t>
             </a:fld>
             <a:endParaRPr lang="it-IT"/>
           </a:p>
@@ -6566,7 +6566,7 @@
         </p:blipFill>
         <p:spPr>
           <a:xfrm>
-            <a:off x="2697362" y="1276311"/>
+            <a:off x="346587" y="1276311"/>
             <a:ext cx="6797275" cy="5403452"/>
           </a:xfrm>
           <a:prstGeom prst="rect">
@@ -6574,6 +6574,90 @@
           </a:prstGeom>
         </p:spPr>
       </p:pic>
+      <p:pic>
+        <p:nvPicPr>
+          <p:cNvPr id="7" name="Immagine 6" descr="Immagine che contiene testo, linea, Diagramma, diagramma&#10;&#10;Il contenuto generato dall'IA potrebbe non essere corretto.">
+            <a:extLst>
+              <a:ext uri="{FF2B5EF4-FFF2-40B4-BE49-F238E27FC236}">
+                <a16:creationId xmlns:a16="http://schemas.microsoft.com/office/drawing/2014/main" id="{9B293F43-6105-23F1-DF36-7A9E30680639}"/>
+              </a:ext>
+            </a:extLst>
+          </p:cNvPr>
+          <p:cNvPicPr>
+            <a:picLocks noChangeAspect="1"/>
+          </p:cNvPicPr>
+          <p:nvPr/>
+        </p:nvPicPr>
+        <p:blipFill>
+          <a:blip r:embed="rId4"/>
+          <a:stretch>
+            <a:fillRect/>
+          </a:stretch>
+        </p:blipFill>
+        <p:spPr>
+          <a:xfrm>
+            <a:off x="6964227" y="2752120"/>
+            <a:ext cx="4881186" cy="3742717"/>
+          </a:xfrm>
+          <a:prstGeom prst="rect">
+            <a:avLst/>
+          </a:prstGeom>
+        </p:spPr>
+      </p:pic>
+      <p:sp>
+        <p:nvSpPr>
+          <p:cNvPr id="8" name="Freccia circolare in giù 7">
+            <a:extLst>
+              <a:ext uri="{FF2B5EF4-FFF2-40B4-BE49-F238E27FC236}">
+                <a16:creationId xmlns:a16="http://schemas.microsoft.com/office/drawing/2014/main" id="{E7AA3F64-645C-0DF7-66A3-A4B6EE2BFB98}"/>
+              </a:ext>
+            </a:extLst>
+          </p:cNvPr>
+          <p:cNvSpPr/>
+          <p:nvPr/>
+        </p:nvSpPr>
+        <p:spPr>
+          <a:xfrm>
+            <a:off x="6597445" y="4001728"/>
+            <a:ext cx="1347020" cy="884903"/>
+          </a:xfrm>
+          <a:prstGeom prst="curvedDownArrow">
+            <a:avLst>
+              <a:gd name="adj1" fmla="val 25000"/>
+              <a:gd name="adj2" fmla="val 67158"/>
+              <a:gd name="adj3" fmla="val 46277"/>
+            </a:avLst>
+          </a:prstGeom>
+        </p:spPr>
+        <p:style>
+          <a:lnRef idx="2">
+            <a:schemeClr val="accent1">
+              <a:shade val="15000"/>
+            </a:schemeClr>
+          </a:lnRef>
+          <a:fillRef idx="1">
+            <a:schemeClr val="accent1"/>
+          </a:fillRef>
+          <a:effectRef idx="0">
+            <a:schemeClr val="accent1"/>
+          </a:effectRef>
+          <a:fontRef idx="minor">
+            <a:schemeClr val="lt1"/>
+          </a:fontRef>
+        </p:style>
+        <p:txBody>
+          <a:bodyPr rtlCol="0" anchor="ctr"/>
+          <a:lstStyle/>
+          <a:p>
+            <a:pPr algn="ctr"/>
+            <a:endParaRPr lang="it-IT">
+              <a:solidFill>
+                <a:schemeClr val="tx1"/>
+              </a:solidFill>
+            </a:endParaRPr>
+          </a:p>
+        </p:txBody>
+      </p:sp>
     </p:spTree>
     <p:extLst>
       <p:ext uri="{BB962C8B-B14F-4D97-AF65-F5344CB8AC3E}">
@@ -7937,8 +8021,8 @@
           </a:p>
         </p:txBody>
       </p:sp>
-      <mc:AlternateContent xmlns:mc="http://schemas.openxmlformats.org/markup-compatibility/2006" xmlns:a14="http://schemas.microsoft.com/office/drawing/2010/main">
-        <mc:Choice Requires="a14">
+      <mc:AlternateContent xmlns:mc="http://schemas.openxmlformats.org/markup-compatibility/2006">
+        <mc:Choice xmlns:a14="http://schemas.microsoft.com/office/drawing/2010/main" Requires="a14">
           <p:sp>
             <p:nvSpPr>
               <p:cNvPr id="3" name="Segnaposto contenuto 2">
@@ -8148,10 +8232,41 @@
                   <a:rPr lang="it-IT" dirty="0"/>
                   <a:t> and </a:t>
                 </a:r>
-                <a:r>
-                  <a:rPr lang="it-IT" i="1" dirty="0"/>
-                  <a:t>MCX</a:t>
-                </a:r>
+                <a14:m>
+                  <m:oMath xmlns:m="http://schemas.openxmlformats.org/officeDocument/2006/math">
+                    <m:sSup>
+                      <m:sSupPr>
+                        <m:ctrlPr>
+                          <a:rPr lang="it-IT" b="0" i="1" smtClean="0">
+                            <a:latin typeface="Cambria Math" panose="02040503050406030204" pitchFamily="18" charset="0"/>
+                          </a:rPr>
+                        </m:ctrlPr>
+                      </m:sSupPr>
+                      <m:e>
+                        <m:r>
+                          <a:rPr lang="it-IT" b="0" i="1" smtClean="0">
+                            <a:latin typeface="Cambria Math" panose="02040503050406030204" pitchFamily="18" charset="0"/>
+                          </a:rPr>
+                          <m:t>𝑀</m:t>
+                        </m:r>
+                      </m:e>
+                      <m:sup>
+                        <m:r>
+                          <a:rPr lang="it-IT" b="0" i="1" smtClean="0">
+                            <a:latin typeface="Cambria Math" panose="02040503050406030204" pitchFamily="18" charset="0"/>
+                          </a:rPr>
+                          <m:t>𝜆</m:t>
+                        </m:r>
+                      </m:sup>
+                    </m:sSup>
+                    <m:r>
+                      <a:rPr lang="it-IT" b="0" i="1" smtClean="0">
+                        <a:latin typeface="Cambria Math" panose="02040503050406030204" pitchFamily="18" charset="0"/>
+                      </a:rPr>
+                      <m:t>𝑋</m:t>
+                    </m:r>
+                  </m:oMath>
+                </a14:m>
                 <a:r>
                   <a:rPr lang="it-IT" dirty="0"/>
                   <a:t> gates to </a:t>
@@ -8344,6 +8459,12 @@
                 <a:pPr marL="0" indent="0" algn="ctr">
                   <a:buNone/>
                 </a:pPr>
+                <a:endParaRPr lang="it-IT" dirty="0"/>
+              </a:p>
+              <a:p>
+                <a:pPr marL="0" indent="0" algn="ctr">
+                  <a:buNone/>
+                </a:pPr>
                 <a:r>
                   <a:rPr lang="it-IT" dirty="0"/>
                   <a:t>In </a:t>
@@ -8392,7 +8513,7 @@
             </p:txBody>
           </p:sp>
         </mc:Choice>
-        <mc:Fallback xmlns="">
+        <mc:Fallback>
           <p:sp>
             <p:nvSpPr>
               <p:cNvPr id="3" name="Segnaposto contenuto 2">
@@ -8413,7 +8534,7 @@
               <a:blipFill>
                 <a:blip r:embed="rId2"/>
                 <a:stretch>
-                  <a:fillRect l="-870" t="-2381" r="-754"/>
+                  <a:fillRect l="-348" t="-2381" r="-290"/>
                 </a:stretch>
               </a:blipFill>
             </p:spPr>
@@ -8484,7 +8605,12 @@
             <p:ph type="title"/>
           </p:nvPr>
         </p:nvSpPr>
-        <p:spPr/>
+        <p:spPr>
+          <a:xfrm>
+            <a:off x="838200" y="-29121"/>
+            <a:ext cx="10515600" cy="1325563"/>
+          </a:xfrm>
+        </p:spPr>
         <p:txBody>
           <a:bodyPr/>
           <a:lstStyle/>
@@ -8502,38 +8628,6 @@
           </a:p>
         </p:txBody>
       </p:sp>
-      <p:pic>
-        <p:nvPicPr>
-          <p:cNvPr id="6" name="Segnaposto contenuto 5" descr="Immagine che contiene testo, schermata, Carattere&#10;&#10;Il contenuto generato dall'IA potrebbe non essere corretto.">
-            <a:extLst>
-              <a:ext uri="{FF2B5EF4-FFF2-40B4-BE49-F238E27FC236}">
-                <a16:creationId xmlns:a16="http://schemas.microsoft.com/office/drawing/2014/main" id="{58095A67-28C4-48D9-1192-60AC66C63FFC}"/>
-              </a:ext>
-            </a:extLst>
-          </p:cNvPr>
-          <p:cNvPicPr>
-            <a:picLocks noGrp="1" noChangeAspect="1"/>
-          </p:cNvPicPr>
-          <p:nvPr>
-            <p:ph idx="1"/>
-          </p:nvPr>
-        </p:nvPicPr>
-        <p:blipFill>
-          <a:blip r:embed="rId2"/>
-          <a:stretch>
-            <a:fillRect/>
-          </a:stretch>
-        </p:blipFill>
-        <p:spPr>
-          <a:xfrm>
-            <a:off x="437146" y="1690688"/>
-            <a:ext cx="6567264" cy="4458828"/>
-          </a:xfrm>
-          <a:prstGeom prst="rect">
-            <a:avLst/>
-          </a:prstGeom>
-        </p:spPr>
-      </p:pic>
       <p:pic>
         <p:nvPicPr>
           <p:cNvPr id="5" name="Immagine 4" descr="Immagine che contiene schermata, linea, diagramma, Carattere&#10;&#10;Il contenuto generato dall'IA potrebbe non essere corretto.">
@@ -8549,7 +8643,7 @@
           <p:nvPr/>
         </p:nvPicPr>
         <p:blipFill>
-          <a:blip r:embed="rId3"/>
+          <a:blip r:embed="rId2"/>
           <a:stretch>
             <a:fillRect/>
           </a:stretch>
@@ -8566,10 +8660,40 @@
       </p:pic>
       <p:pic>
         <p:nvPicPr>
-          <p:cNvPr id="7" name="Immagine 6" descr="Immagine che contiene linea, schermata, diagramma, Carattere&#10;&#10;Il contenuto generato dall'IA potrebbe non essere corretto.">
-            <a:extLst>
-              <a:ext uri="{FF2B5EF4-FFF2-40B4-BE49-F238E27FC236}">
-                <a16:creationId xmlns:a16="http://schemas.microsoft.com/office/drawing/2014/main" id="{B65480D5-E131-2BDD-FFBF-2E6669A8405F}"/>
+          <p:cNvPr id="9" name="Immagine 8" descr="Immagine che contiene schermata, linea, diagramma, Carattere&#10;&#10;Il contenuto generato dall'IA potrebbe non essere corretto.">
+            <a:extLst>
+              <a:ext uri="{FF2B5EF4-FFF2-40B4-BE49-F238E27FC236}">
+                <a16:creationId xmlns:a16="http://schemas.microsoft.com/office/drawing/2014/main" id="{31F337BC-8A1F-BEEB-AE23-DE78EAFAE066}"/>
+              </a:ext>
+            </a:extLst>
+          </p:cNvPr>
+          <p:cNvPicPr>
+            <a:picLocks noChangeAspect="1"/>
+          </p:cNvPicPr>
+          <p:nvPr/>
+        </p:nvPicPr>
+        <p:blipFill>
+          <a:blip r:embed="rId3"/>
+          <a:stretch>
+            <a:fillRect/>
+          </a:stretch>
+        </p:blipFill>
+        <p:spPr>
+          <a:xfrm>
+            <a:off x="8904872" y="1468878"/>
+            <a:ext cx="2448928" cy="2627634"/>
+          </a:xfrm>
+          <a:prstGeom prst="rect">
+            <a:avLst/>
+          </a:prstGeom>
+        </p:spPr>
+      </p:pic>
+      <p:pic>
+        <p:nvPicPr>
+          <p:cNvPr id="11" name="Immagine 10" descr="Immagine che contiene testo, schermata, Carattere&#10;&#10;Il contenuto generato dall'IA potrebbe non essere corretto.">
+            <a:extLst>
+              <a:ext uri="{FF2B5EF4-FFF2-40B4-BE49-F238E27FC236}">
+                <a16:creationId xmlns:a16="http://schemas.microsoft.com/office/drawing/2014/main" id="{C2D33444-D394-3FFC-B694-29BBFFA4B85F}"/>
               </a:ext>
             </a:extLst>
           </p:cNvPr>
@@ -8586,8 +8710,8 @@
         </p:blipFill>
         <p:spPr>
           <a:xfrm>
-            <a:off x="6085228" y="4313258"/>
-            <a:ext cx="2819644" cy="2461473"/>
+            <a:off x="1014314" y="1140918"/>
+            <a:ext cx="6910724" cy="5414384"/>
           </a:xfrm>
           <a:prstGeom prst="rect">
             <a:avLst/>
@@ -8596,10 +8720,10 @@
       </p:pic>
       <p:pic>
         <p:nvPicPr>
-          <p:cNvPr id="9" name="Immagine 8" descr="Immagine che contiene schermata, linea, diagramma, Carattere&#10;&#10;Il contenuto generato dall'IA potrebbe non essere corretto.">
-            <a:extLst>
-              <a:ext uri="{FF2B5EF4-FFF2-40B4-BE49-F238E27FC236}">
-                <a16:creationId xmlns:a16="http://schemas.microsoft.com/office/drawing/2014/main" id="{31F337BC-8A1F-BEEB-AE23-DE78EAFAE066}"/>
+          <p:cNvPr id="7" name="Immagine 6" descr="Immagine che contiene linea, schermata, diagramma, Carattere&#10;&#10;Il contenuto generato dall'IA potrebbe non essere corretto.">
+            <a:extLst>
+              <a:ext uri="{FF2B5EF4-FFF2-40B4-BE49-F238E27FC236}">
+                <a16:creationId xmlns:a16="http://schemas.microsoft.com/office/drawing/2014/main" id="{B65480D5-E131-2BDD-FFBF-2E6669A8405F}"/>
               </a:ext>
             </a:extLst>
           </p:cNvPr>
@@ -8616,8 +8740,8 @@
         </p:blipFill>
         <p:spPr>
           <a:xfrm>
-            <a:off x="8904872" y="1468878"/>
-            <a:ext cx="2448928" cy="2627634"/>
+            <a:off x="6085228" y="4313258"/>
+            <a:ext cx="2819644" cy="2461473"/>
           </a:xfrm>
           <a:prstGeom prst="rect">
             <a:avLst/>
@@ -8694,8 +8818,8 @@
           </a:p>
         </p:txBody>
       </p:sp>
-      <mc:AlternateContent xmlns:mc="http://schemas.openxmlformats.org/markup-compatibility/2006" xmlns:a14="http://schemas.microsoft.com/office/drawing/2010/main">
-        <mc:Choice Requires="a14">
+      <mc:AlternateContent xmlns:mc="http://schemas.openxmlformats.org/markup-compatibility/2006">
+        <mc:Choice xmlns:a14="http://schemas.microsoft.com/office/drawing/2010/main" Requires="a14">
           <p:sp>
             <p:nvSpPr>
               <p:cNvPr id="3" name="Segnaposto contenuto 2">
@@ -8778,7 +8902,78 @@
                 </a:r>
                 <a:r>
                   <a:rPr lang="it-IT" dirty="0"/>
-                  <a:t>:</a:t>
+                  <a:t> (</a:t>
+                </a:r>
+                <a:r>
+                  <a:rPr lang="it-IT" dirty="0" err="1"/>
+                  <a:t>practically</a:t>
+                </a:r>
+                <a:r>
+                  <a:rPr lang="it-IT" dirty="0"/>
+                  <a:t> </a:t>
+                </a:r>
+                <a:r>
+                  <a:rPr lang="it-IT" dirty="0" err="1"/>
+                  <a:t>it</a:t>
+                </a:r>
+                <a:r>
+                  <a:rPr lang="it-IT" dirty="0"/>
+                  <a:t> </a:t>
+                </a:r>
+                <a:r>
+                  <a:rPr lang="it-IT" dirty="0" err="1"/>
+                  <a:t>is</a:t>
+                </a:r>
+                <a:r>
+                  <a:rPr lang="it-IT" dirty="0"/>
+                  <a:t> </a:t>
+                </a:r>
+                <a:r>
+                  <a:rPr lang="it-IT" dirty="0" err="1"/>
+                  <a:t>analogue</a:t>
+                </a:r>
+                <a:r>
+                  <a:rPr lang="it-IT" dirty="0"/>
+                  <a:t> to </a:t>
+                </a:r>
+                <a14:m>
+                  <m:oMath xmlns:m="http://schemas.openxmlformats.org/officeDocument/2006/math">
+                    <m:sSup>
+                      <m:sSupPr>
+                        <m:ctrlPr>
+                          <a:rPr lang="it-IT" b="0" i="1" smtClean="0">
+                            <a:latin typeface="Cambria Math" panose="02040503050406030204" pitchFamily="18" charset="0"/>
+                          </a:rPr>
+                        </m:ctrlPr>
+                      </m:sSupPr>
+                      <m:e>
+                        <m:r>
+                          <a:rPr lang="it-IT" b="0" i="1" smtClean="0">
+                            <a:latin typeface="Cambria Math" panose="02040503050406030204" pitchFamily="18" charset="0"/>
+                          </a:rPr>
+                          <m:t>𝑀</m:t>
+                        </m:r>
+                      </m:e>
+                      <m:sup>
+                        <m:r>
+                          <a:rPr lang="it-IT" b="0" i="1" smtClean="0">
+                            <a:latin typeface="Cambria Math" panose="02040503050406030204" pitchFamily="18" charset="0"/>
+                          </a:rPr>
+                          <m:t>𝜆</m:t>
+                        </m:r>
+                      </m:sup>
+                    </m:sSup>
+                    <m:r>
+                      <a:rPr lang="it-IT" b="0" i="1" smtClean="0">
+                        <a:latin typeface="Cambria Math" panose="02040503050406030204" pitchFamily="18" charset="0"/>
+                      </a:rPr>
+                      <m:t>𝑍</m:t>
+                    </m:r>
+                  </m:oMath>
+                </a14:m>
+                <a:r>
+                  <a:rPr lang="it-IT" dirty="0"/>
+                  <a:t>):</a:t>
                 </a:r>
               </a:p>
               <a:p>
@@ -9025,7 +9220,7 @@
             </p:txBody>
           </p:sp>
         </mc:Choice>
-        <mc:Fallback xmlns="">
+        <mc:Fallback>
           <p:sp>
             <p:nvSpPr>
               <p:cNvPr id="3" name="Segnaposto contenuto 2">

--- a/Grover.pptx
+++ b/Grover.pptx
@@ -14,16 +14,16 @@
     <p:sldId id="259" r:id="rId5"/>
     <p:sldId id="260" r:id="rId6"/>
     <p:sldId id="261" r:id="rId7"/>
-    <p:sldId id="262" r:id="rId8"/>
-    <p:sldId id="263" r:id="rId9"/>
-    <p:sldId id="264" r:id="rId10"/>
-    <p:sldId id="265" r:id="rId11"/>
-    <p:sldId id="266" r:id="rId12"/>
-    <p:sldId id="267" r:id="rId13"/>
-    <p:sldId id="269" r:id="rId14"/>
-    <p:sldId id="271" r:id="rId15"/>
-    <p:sldId id="272" r:id="rId16"/>
-    <p:sldId id="270" r:id="rId17"/>
+    <p:sldId id="270" r:id="rId8"/>
+    <p:sldId id="262" r:id="rId9"/>
+    <p:sldId id="263" r:id="rId10"/>
+    <p:sldId id="264" r:id="rId11"/>
+    <p:sldId id="265" r:id="rId12"/>
+    <p:sldId id="266" r:id="rId13"/>
+    <p:sldId id="267" r:id="rId14"/>
+    <p:sldId id="269" r:id="rId15"/>
+    <p:sldId id="271" r:id="rId16"/>
+    <p:sldId id="272" r:id="rId17"/>
   </p:sldIdLst>
   <p:sldSz cx="12192000" cy="6858000"/>
   <p:notesSz cx="6858000" cy="9144000"/>
@@ -484,6 +484,114 @@
   <p:cSld>
     <p:spTree>
       <p:nvGrpSpPr>
+        <p:cNvPr id="1" name="">
+          <a:extLst>
+            <a:ext uri="{FF2B5EF4-FFF2-40B4-BE49-F238E27FC236}">
+              <a16:creationId xmlns:a16="http://schemas.microsoft.com/office/drawing/2014/main" id="{B4334897-4B9F-E8BE-DA71-D67E8B0DE35E}"/>
+            </a:ext>
+          </a:extLst>
+        </p:cNvPr>
+        <p:cNvGrpSpPr/>
+        <p:nvPr/>
+      </p:nvGrpSpPr>
+      <p:grpSpPr>
+        <a:xfrm>
+          <a:off x="0" y="0"/>
+          <a:ext cx="0" cy="0"/>
+          <a:chOff x="0" y="0"/>
+          <a:chExt cx="0" cy="0"/>
+        </a:xfrm>
+      </p:grpSpPr>
+      <p:sp>
+        <p:nvSpPr>
+          <p:cNvPr id="2" name="Segnaposto immagine diapositiva 1">
+            <a:extLst>
+              <a:ext uri="{FF2B5EF4-FFF2-40B4-BE49-F238E27FC236}">
+                <a16:creationId xmlns:a16="http://schemas.microsoft.com/office/drawing/2014/main" id="{D89DF897-C26D-57B1-443E-BDEE0F2C02BC}"/>
+              </a:ext>
+            </a:extLst>
+          </p:cNvPr>
+          <p:cNvSpPr>
+            <a:spLocks noGrp="1" noRot="1" noChangeAspect="1"/>
+          </p:cNvSpPr>
+          <p:nvPr>
+            <p:ph type="sldImg"/>
+          </p:nvPr>
+        </p:nvSpPr>
+        <p:spPr/>
+      </p:sp>
+      <p:sp>
+        <p:nvSpPr>
+          <p:cNvPr id="3" name="Segnaposto note 2">
+            <a:extLst>
+              <a:ext uri="{FF2B5EF4-FFF2-40B4-BE49-F238E27FC236}">
+                <a16:creationId xmlns:a16="http://schemas.microsoft.com/office/drawing/2014/main" id="{9BF67C23-6AF8-6C96-B14E-7A510CA36E1E}"/>
+              </a:ext>
+            </a:extLst>
+          </p:cNvPr>
+          <p:cNvSpPr>
+            <a:spLocks noGrp="1"/>
+          </p:cNvSpPr>
+          <p:nvPr>
+            <p:ph type="body" idx="1"/>
+          </p:nvPr>
+        </p:nvSpPr>
+        <p:spPr/>
+        <p:txBody>
+          <a:bodyPr/>
+          <a:lstStyle/>
+          <a:p>
+            <a:endParaRPr lang="it-IT" dirty="0"/>
+          </a:p>
+        </p:txBody>
+      </p:sp>
+      <p:sp>
+        <p:nvSpPr>
+          <p:cNvPr id="4" name="Segnaposto numero diapositiva 3">
+            <a:extLst>
+              <a:ext uri="{FF2B5EF4-FFF2-40B4-BE49-F238E27FC236}">
+                <a16:creationId xmlns:a16="http://schemas.microsoft.com/office/drawing/2014/main" id="{0C2D29B0-8331-D4E8-1AEE-B007E55D46C6}"/>
+              </a:ext>
+            </a:extLst>
+          </p:cNvPr>
+          <p:cNvSpPr>
+            <a:spLocks noGrp="1"/>
+          </p:cNvSpPr>
+          <p:nvPr>
+            <p:ph type="sldNum" sz="quarter" idx="5"/>
+          </p:nvPr>
+        </p:nvSpPr>
+        <p:spPr/>
+        <p:txBody>
+          <a:bodyPr/>
+          <a:lstStyle/>
+          <a:p>
+            <a:fld id="{E67CDC84-46F9-4B6A-994C-A69AB97344DB}" type="slidenum">
+              <a:rPr lang="it-IT" smtClean="0"/>
+              <a:t>7</a:t>
+            </a:fld>
+            <a:endParaRPr lang="it-IT"/>
+          </a:p>
+        </p:txBody>
+      </p:sp>
+    </p:spTree>
+    <p:extLst>
+      <p:ext uri="{BB962C8B-B14F-4D97-AF65-F5344CB8AC3E}">
+        <p14:creationId xmlns:p14="http://schemas.microsoft.com/office/powerpoint/2010/main" val="195869018"/>
+      </p:ext>
+    </p:extLst>
+  </p:cSld>
+  <p:clrMapOvr>
+    <a:masterClrMapping/>
+  </p:clrMapOvr>
+</p:notes>
+</file>
+
+<file path=ppt/notesSlides/notesSlide2.xml><?xml version="1.0" encoding="utf-8"?>
+<p:notes xmlns:a="http://schemas.openxmlformats.org/drawingml/2006/main" xmlns:r="http://schemas.openxmlformats.org/officeDocument/2006/relationships" xmlns:p="http://schemas.openxmlformats.org/presentationml/2006/main">
+  <p:cSld>
+    <p:spTree>
+      <p:nvGrpSpPr>
         <p:cNvPr id="1" name=""/>
         <p:cNvGrpSpPr/>
         <p:nvPr/>
@@ -544,7 +652,7 @@
           <a:p>
             <a:fld id="{E67CDC84-46F9-4B6A-994C-A69AB97344DB}" type="slidenum">
               <a:rPr lang="it-IT" smtClean="0"/>
-              <a:t>12</a:t>
+              <a:t>13</a:t>
             </a:fld>
             <a:endParaRPr lang="it-IT"/>
           </a:p>
@@ -563,7 +671,7 @@
 </p:notes>
 </file>
 
-<file path=ppt/notesSlides/notesSlide2.xml><?xml version="1.0" encoding="utf-8"?>
+<file path=ppt/notesSlides/notesSlide3.xml><?xml version="1.0" encoding="utf-8"?>
 <p:notes xmlns:a="http://schemas.openxmlformats.org/drawingml/2006/main" xmlns:r="http://schemas.openxmlformats.org/officeDocument/2006/relationships" xmlns:p="http://schemas.openxmlformats.org/presentationml/2006/main">
   <p:cSld>
     <p:spTree>
@@ -652,7 +760,7 @@
           <a:p>
             <a:fld id="{E67CDC84-46F9-4B6A-994C-A69AB97344DB}" type="slidenum">
               <a:rPr lang="it-IT" smtClean="0"/>
-              <a:t>13</a:t>
+              <a:t>14</a:t>
             </a:fld>
             <a:endParaRPr lang="it-IT"/>
           </a:p>
@@ -671,7 +779,7 @@
 </p:notes>
 </file>
 
-<file path=ppt/notesSlides/notesSlide3.xml><?xml version="1.0" encoding="utf-8"?>
+<file path=ppt/notesSlides/notesSlide4.xml><?xml version="1.0" encoding="utf-8"?>
 <p:notes xmlns:a="http://schemas.openxmlformats.org/drawingml/2006/main" xmlns:r="http://schemas.openxmlformats.org/officeDocument/2006/relationships" xmlns:p="http://schemas.openxmlformats.org/presentationml/2006/main">
   <p:cSld>
     <p:spTree>
@@ -760,7 +868,7 @@
           <a:p>
             <a:fld id="{E67CDC84-46F9-4B6A-994C-A69AB97344DB}" type="slidenum">
               <a:rPr lang="it-IT" smtClean="0"/>
-              <a:t>14</a:t>
+              <a:t>15</a:t>
             </a:fld>
             <a:endParaRPr lang="it-IT"/>
           </a:p>
@@ -770,114 +878,6 @@
     <p:extLst>
       <p:ext uri="{BB962C8B-B14F-4D97-AF65-F5344CB8AC3E}">
         <p14:creationId xmlns:p14="http://schemas.microsoft.com/office/powerpoint/2010/main" val="2050653037"/>
-      </p:ext>
-    </p:extLst>
-  </p:cSld>
-  <p:clrMapOvr>
-    <a:masterClrMapping/>
-  </p:clrMapOvr>
-</p:notes>
-</file>
-
-<file path=ppt/notesSlides/notesSlide4.xml><?xml version="1.0" encoding="utf-8"?>
-<p:notes xmlns:a="http://schemas.openxmlformats.org/drawingml/2006/main" xmlns:r="http://schemas.openxmlformats.org/officeDocument/2006/relationships" xmlns:p="http://schemas.openxmlformats.org/presentationml/2006/main">
-  <p:cSld>
-    <p:spTree>
-      <p:nvGrpSpPr>
-        <p:cNvPr id="1" name="">
-          <a:extLst>
-            <a:ext uri="{FF2B5EF4-FFF2-40B4-BE49-F238E27FC236}">
-              <a16:creationId xmlns:a16="http://schemas.microsoft.com/office/drawing/2014/main" id="{B4334897-4B9F-E8BE-DA71-D67E8B0DE35E}"/>
-            </a:ext>
-          </a:extLst>
-        </p:cNvPr>
-        <p:cNvGrpSpPr/>
-        <p:nvPr/>
-      </p:nvGrpSpPr>
-      <p:grpSpPr>
-        <a:xfrm>
-          <a:off x="0" y="0"/>
-          <a:ext cx="0" cy="0"/>
-          <a:chOff x="0" y="0"/>
-          <a:chExt cx="0" cy="0"/>
-        </a:xfrm>
-      </p:grpSpPr>
-      <p:sp>
-        <p:nvSpPr>
-          <p:cNvPr id="2" name="Segnaposto immagine diapositiva 1">
-            <a:extLst>
-              <a:ext uri="{FF2B5EF4-FFF2-40B4-BE49-F238E27FC236}">
-                <a16:creationId xmlns:a16="http://schemas.microsoft.com/office/drawing/2014/main" id="{D89DF897-C26D-57B1-443E-BDEE0F2C02BC}"/>
-              </a:ext>
-            </a:extLst>
-          </p:cNvPr>
-          <p:cNvSpPr>
-            <a:spLocks noGrp="1" noRot="1" noChangeAspect="1"/>
-          </p:cNvSpPr>
-          <p:nvPr>
-            <p:ph type="sldImg"/>
-          </p:nvPr>
-        </p:nvSpPr>
-        <p:spPr/>
-      </p:sp>
-      <p:sp>
-        <p:nvSpPr>
-          <p:cNvPr id="3" name="Segnaposto note 2">
-            <a:extLst>
-              <a:ext uri="{FF2B5EF4-FFF2-40B4-BE49-F238E27FC236}">
-                <a16:creationId xmlns:a16="http://schemas.microsoft.com/office/drawing/2014/main" id="{9BF67C23-6AF8-6C96-B14E-7A510CA36E1E}"/>
-              </a:ext>
-            </a:extLst>
-          </p:cNvPr>
-          <p:cNvSpPr>
-            <a:spLocks noGrp="1"/>
-          </p:cNvSpPr>
-          <p:nvPr>
-            <p:ph type="body" idx="1"/>
-          </p:nvPr>
-        </p:nvSpPr>
-        <p:spPr/>
-        <p:txBody>
-          <a:bodyPr/>
-          <a:lstStyle/>
-          <a:p>
-            <a:endParaRPr lang="it-IT" dirty="0"/>
-          </a:p>
-        </p:txBody>
-      </p:sp>
-      <p:sp>
-        <p:nvSpPr>
-          <p:cNvPr id="4" name="Segnaposto numero diapositiva 3">
-            <a:extLst>
-              <a:ext uri="{FF2B5EF4-FFF2-40B4-BE49-F238E27FC236}">
-                <a16:creationId xmlns:a16="http://schemas.microsoft.com/office/drawing/2014/main" id="{0C2D29B0-8331-D4E8-1AEE-B007E55D46C6}"/>
-              </a:ext>
-            </a:extLst>
-          </p:cNvPr>
-          <p:cNvSpPr>
-            <a:spLocks noGrp="1"/>
-          </p:cNvSpPr>
-          <p:nvPr>
-            <p:ph type="sldNum" sz="quarter" idx="5"/>
-          </p:nvPr>
-        </p:nvSpPr>
-        <p:spPr/>
-        <p:txBody>
-          <a:bodyPr/>
-          <a:lstStyle/>
-          <a:p>
-            <a:fld id="{E67CDC84-46F9-4B6A-994C-A69AB97344DB}" type="slidenum">
-              <a:rPr lang="it-IT" smtClean="0"/>
-              <a:t>16</a:t>
-            </a:fld>
-            <a:endParaRPr lang="it-IT"/>
-          </a:p>
-        </p:txBody>
-      </p:sp>
-    </p:spTree>
-    <p:extLst>
-      <p:ext uri="{BB962C8B-B14F-4D97-AF65-F5344CB8AC3E}">
-        <p14:creationId xmlns:p14="http://schemas.microsoft.com/office/powerpoint/2010/main" val="195869018"/>
       </p:ext>
     </p:extLst>
   </p:cSld>
@@ -4189,6 +4189,389 @@
 </file>
 
 <file path=ppt/slides/slide10.xml><?xml version="1.0" encoding="utf-8"?>
+<p:sld xmlns:a="http://schemas.openxmlformats.org/drawingml/2006/main" xmlns:r="http://schemas.openxmlformats.org/officeDocument/2006/relationships" xmlns:p="http://schemas.openxmlformats.org/presentationml/2006/main">
+  <p:cSld>
+    <p:spTree>
+      <p:nvGrpSpPr>
+        <p:cNvPr id="1" name="">
+          <a:extLst>
+            <a:ext uri="{FF2B5EF4-FFF2-40B4-BE49-F238E27FC236}">
+              <a16:creationId xmlns:a16="http://schemas.microsoft.com/office/drawing/2014/main" id="{42E8291B-E4F5-CD48-B4AB-366B86D6C389}"/>
+            </a:ext>
+          </a:extLst>
+        </p:cNvPr>
+        <p:cNvGrpSpPr/>
+        <p:nvPr/>
+      </p:nvGrpSpPr>
+      <p:grpSpPr>
+        <a:xfrm>
+          <a:off x="0" y="0"/>
+          <a:ext cx="0" cy="0"/>
+          <a:chOff x="0" y="0"/>
+          <a:chExt cx="0" cy="0"/>
+        </a:xfrm>
+      </p:grpSpPr>
+      <p:sp>
+        <p:nvSpPr>
+          <p:cNvPr id="2" name="Titolo 1">
+            <a:extLst>
+              <a:ext uri="{FF2B5EF4-FFF2-40B4-BE49-F238E27FC236}">
+                <a16:creationId xmlns:a16="http://schemas.microsoft.com/office/drawing/2014/main" id="{997322C2-8C80-0356-69AF-4912C4A02C16}"/>
+              </a:ext>
+            </a:extLst>
+          </p:cNvPr>
+          <p:cNvSpPr>
+            <a:spLocks noGrp="1"/>
+          </p:cNvSpPr>
+          <p:nvPr>
+            <p:ph type="title"/>
+          </p:nvPr>
+        </p:nvSpPr>
+        <p:spPr/>
+        <p:txBody>
+          <a:bodyPr/>
+          <a:lstStyle/>
+          <a:p>
+            <a:pPr algn="ctr"/>
+            <a:r>
+              <a:rPr lang="it-IT" dirty="0"/>
+              <a:t>Grover </a:t>
+            </a:r>
+            <a:r>
+              <a:rPr lang="it-IT" dirty="0" err="1"/>
+              <a:t>Algorithm</a:t>
+            </a:r>
+            <a:endParaRPr lang="it-IT" dirty="0"/>
+          </a:p>
+        </p:txBody>
+      </p:sp>
+      <mc:AlternateContent xmlns:mc="http://schemas.openxmlformats.org/markup-compatibility/2006" xmlns:a14="http://schemas.microsoft.com/office/drawing/2010/main">
+        <mc:Choice Requires="a14">
+          <p:sp>
+            <p:nvSpPr>
+              <p:cNvPr id="3" name="Segnaposto contenuto 2">
+                <a:extLst>
+                  <a:ext uri="{FF2B5EF4-FFF2-40B4-BE49-F238E27FC236}">
+                    <a16:creationId xmlns:a16="http://schemas.microsoft.com/office/drawing/2014/main" id="{C53905C9-C75B-3977-9733-A69036C70F57}"/>
+                  </a:ext>
+                </a:extLst>
+              </p:cNvPr>
+              <p:cNvSpPr>
+                <a:spLocks noGrp="1"/>
+              </p:cNvSpPr>
+              <p:nvPr>
+                <p:ph idx="1"/>
+              </p:nvPr>
+            </p:nvSpPr>
+            <p:spPr>
+              <a:xfrm>
+                <a:off x="838200" y="1533017"/>
+                <a:ext cx="10515600" cy="4351338"/>
+              </a:xfrm>
+            </p:spPr>
+            <p:txBody>
+              <a:bodyPr/>
+              <a:lstStyle/>
+              <a:p>
+                <a:pPr marL="0" indent="0" algn="ctr">
+                  <a:buNone/>
+                </a:pPr>
+                <a:r>
+                  <a:rPr lang="it-IT" dirty="0"/>
+                  <a:t>Start with </a:t>
+                </a:r>
+                <a14:m>
+                  <m:oMath xmlns:m="http://schemas.openxmlformats.org/officeDocument/2006/math">
+                    <m:sSup>
+                      <m:sSupPr>
+                        <m:ctrlPr>
+                          <a:rPr lang="it-IT" b="0" i="1" smtClean="0">
+                            <a:latin typeface="Cambria Math" panose="02040503050406030204" pitchFamily="18" charset="0"/>
+                          </a:rPr>
+                        </m:ctrlPr>
+                      </m:sSupPr>
+                      <m:e>
+                        <m:d>
+                          <m:dPr>
+                            <m:begChr m:val="|"/>
+                            <m:endChr m:val="⟩"/>
+                            <m:ctrlPr>
+                              <a:rPr lang="it-IT" b="0" i="1" smtClean="0">
+                                <a:latin typeface="Cambria Math" panose="02040503050406030204" pitchFamily="18" charset="0"/>
+                              </a:rPr>
+                            </m:ctrlPr>
+                          </m:dPr>
+                          <m:e>
+                            <m:r>
+                              <a:rPr lang="it-IT" b="0" i="1" smtClean="0">
+                                <a:latin typeface="Cambria Math" panose="02040503050406030204" pitchFamily="18" charset="0"/>
+                              </a:rPr>
+                              <m:t>0</m:t>
+                            </m:r>
+                          </m:e>
+                        </m:d>
+                      </m:e>
+                      <m:sup>
+                        <m:r>
+                          <a:rPr lang="it-IT" b="0" i="1" smtClean="0">
+                            <a:latin typeface="Cambria Math" panose="02040503050406030204" pitchFamily="18" charset="0"/>
+                          </a:rPr>
+                          <m:t>⊗</m:t>
+                        </m:r>
+                        <m:r>
+                          <a:rPr lang="it-IT" b="0" i="1" smtClean="0">
+                            <a:latin typeface="Cambria Math" panose="02040503050406030204" pitchFamily="18" charset="0"/>
+                          </a:rPr>
+                          <m:t>𝑛</m:t>
+                        </m:r>
+                        <m:r>
+                          <a:rPr lang="it-IT" b="0" i="1" smtClean="0">
+                            <a:latin typeface="Cambria Math" panose="02040503050406030204" pitchFamily="18" charset="0"/>
+                          </a:rPr>
+                          <m:t>+1</m:t>
+                        </m:r>
+                      </m:sup>
+                    </m:sSup>
+                  </m:oMath>
+                </a14:m>
+                <a:r>
+                  <a:rPr lang="it-IT" dirty="0"/>
+                  <a:t>, </a:t>
+                </a:r>
+                <a:r>
+                  <a:rPr lang="it-IT" dirty="0" err="1"/>
+                  <a:t>apply</a:t>
+                </a:r>
+                <a:r>
+                  <a:rPr lang="it-IT" dirty="0"/>
+                  <a:t> </a:t>
+                </a:r>
+                <a:r>
+                  <a:rPr lang="it-IT" i="1" dirty="0"/>
+                  <a:t>X</a:t>
+                </a:r>
+                <a:r>
+                  <a:rPr lang="it-IT" dirty="0"/>
+                  <a:t> to the ancilla, </a:t>
+                </a:r>
+                <a:r>
+                  <a:rPr lang="it-IT" dirty="0" err="1"/>
+                  <a:t>then</a:t>
+                </a:r>
+                <a:r>
+                  <a:rPr lang="it-IT" dirty="0"/>
+                  <a:t> </a:t>
+                </a:r>
+                <a14:m>
+                  <m:oMath xmlns:m="http://schemas.openxmlformats.org/officeDocument/2006/math">
+                    <m:sSup>
+                      <m:sSupPr>
+                        <m:ctrlPr>
+                          <a:rPr lang="it-IT" b="0" i="1" smtClean="0">
+                            <a:latin typeface="Cambria Math" panose="02040503050406030204" pitchFamily="18" charset="0"/>
+                          </a:rPr>
+                        </m:ctrlPr>
+                      </m:sSupPr>
+                      <m:e>
+                        <m:r>
+                          <m:rPr>
+                            <m:sty m:val="p"/>
+                          </m:rPr>
+                          <a:rPr lang="it-IT" b="0" i="1" smtClean="0">
+                            <a:latin typeface="Cambria Math" panose="02040503050406030204" pitchFamily="18" charset="0"/>
+                          </a:rPr>
+                          <m:t>H</m:t>
+                        </m:r>
+                      </m:e>
+                      <m:sup>
+                        <m:r>
+                          <a:rPr lang="it-IT" b="0" i="1" smtClean="0">
+                            <a:latin typeface="Cambria Math" panose="02040503050406030204" pitchFamily="18" charset="0"/>
+                          </a:rPr>
+                          <m:t>⊗</m:t>
+                        </m:r>
+                        <m:r>
+                          <a:rPr lang="it-IT" b="0" i="1" smtClean="0">
+                            <a:latin typeface="Cambria Math" panose="02040503050406030204" pitchFamily="18" charset="0"/>
+                          </a:rPr>
+                          <m:t>𝑛</m:t>
+                        </m:r>
+                        <m:r>
+                          <a:rPr lang="it-IT" b="0" i="1" smtClean="0">
+                            <a:latin typeface="Cambria Math" panose="02040503050406030204" pitchFamily="18" charset="0"/>
+                          </a:rPr>
+                          <m:t>+1</m:t>
+                        </m:r>
+                      </m:sup>
+                    </m:sSup>
+                  </m:oMath>
+                </a14:m>
+                <a:endParaRPr lang="it-IT" dirty="0"/>
+              </a:p>
+              <a:p>
+                <a:pPr marL="0" indent="0" algn="ctr">
+                  <a:buNone/>
+                </a:pPr>
+                <a:r>
+                  <a:rPr lang="it-IT" dirty="0"/>
+                  <a:t>The </a:t>
+                </a:r>
+                <a:r>
+                  <a:rPr lang="it-IT" dirty="0" err="1"/>
+                  <a:t>whole</a:t>
+                </a:r>
+                <a:r>
+                  <a:rPr lang="it-IT" dirty="0"/>
+                  <a:t> </a:t>
+                </a:r>
+                <a:r>
+                  <a:rPr lang="it-IT" dirty="0" err="1"/>
+                  <a:t>algorithm</a:t>
+                </a:r>
+                <a:r>
+                  <a:rPr lang="it-IT" dirty="0"/>
+                  <a:t> </a:t>
+                </a:r>
+                <a:r>
+                  <a:rPr lang="it-IT" dirty="0" err="1"/>
+                  <a:t>then</a:t>
+                </a:r>
+                <a:r>
+                  <a:rPr lang="it-IT" dirty="0"/>
+                  <a:t> </a:t>
+                </a:r>
+                <a:r>
+                  <a:rPr lang="it-IT" dirty="0" err="1"/>
+                  <a:t>consists</a:t>
+                </a:r>
+                <a:r>
+                  <a:rPr lang="it-IT" dirty="0"/>
+                  <a:t> in the </a:t>
+                </a:r>
+                <a:r>
+                  <a:rPr lang="it-IT" dirty="0" err="1"/>
+                  <a:t>concatenation</a:t>
+                </a:r>
+                <a:r>
+                  <a:rPr lang="it-IT" dirty="0"/>
+                  <a:t> of the Oracle and the </a:t>
+                </a:r>
+                <a:r>
+                  <a:rPr lang="it-IT" dirty="0" err="1"/>
+                  <a:t>Diffuser</a:t>
+                </a:r>
+                <a:r>
+                  <a:rPr lang="it-IT" dirty="0"/>
+                  <a:t>, </a:t>
+                </a:r>
+                <a:r>
+                  <a:rPr lang="it-IT" dirty="0" err="1"/>
+                  <a:t>performed</a:t>
+                </a:r>
+                <a:r>
+                  <a:rPr lang="it-IT" dirty="0"/>
+                  <a:t> for </a:t>
+                </a:r>
+                <a:r>
+                  <a:rPr lang="it-IT" i="1" dirty="0"/>
+                  <a:t>k</a:t>
+                </a:r>
+                <a:r>
+                  <a:rPr lang="it-IT" dirty="0"/>
+                  <a:t> times.</a:t>
+                </a:r>
+              </a:p>
+            </p:txBody>
+          </p:sp>
+        </mc:Choice>
+        <mc:Fallback xmlns="">
+          <p:sp>
+            <p:nvSpPr>
+              <p:cNvPr id="3" name="Segnaposto contenuto 2">
+                <a:extLst>
+                  <a:ext uri="{FF2B5EF4-FFF2-40B4-BE49-F238E27FC236}">
+                    <a16:creationId xmlns:a16="http://schemas.microsoft.com/office/drawing/2014/main" id="{C53905C9-C75B-3977-9733-A69036C70F57}"/>
+                  </a:ext>
+                </a:extLst>
+              </p:cNvPr>
+              <p:cNvSpPr>
+                <a:spLocks noGrp="1" noRot="1" noChangeAspect="1" noMove="1" noResize="1" noEditPoints="1" noAdjustHandles="1" noChangeArrowheads="1" noChangeShapeType="1" noTextEdit="1"/>
+              </p:cNvSpPr>
+              <p:nvPr>
+                <p:ph idx="1"/>
+              </p:nvPr>
+            </p:nvSpPr>
+            <p:spPr>
+              <a:xfrm>
+                <a:off x="838200" y="1533017"/>
+                <a:ext cx="10515600" cy="4351338"/>
+              </a:xfrm>
+              <a:blipFill>
+                <a:blip r:embed="rId2"/>
+                <a:stretch>
+                  <a:fillRect t="-1961"/>
+                </a:stretch>
+              </a:blipFill>
+            </p:spPr>
+            <p:txBody>
+              <a:bodyPr/>
+              <a:lstStyle/>
+              <a:p>
+                <a:r>
+                  <a:rPr lang="it-IT">
+                    <a:noFill/>
+                  </a:rPr>
+                  <a:t> </a:t>
+                </a:r>
+              </a:p>
+            </p:txBody>
+          </p:sp>
+        </mc:Fallback>
+      </mc:AlternateContent>
+      <p:pic>
+        <p:nvPicPr>
+          <p:cNvPr id="7" name="Immagine 6" descr="Immagine che contiene linea, schermata, diagramma, quadrato&#10;&#10;Il contenuto generato dall'IA potrebbe non essere corretto.">
+            <a:extLst>
+              <a:ext uri="{FF2B5EF4-FFF2-40B4-BE49-F238E27FC236}">
+                <a16:creationId xmlns:a16="http://schemas.microsoft.com/office/drawing/2014/main" id="{68F55E78-4195-E67F-05DE-CE3225654039}"/>
+              </a:ext>
+            </a:extLst>
+          </p:cNvPr>
+          <p:cNvPicPr>
+            <a:picLocks noChangeAspect="1"/>
+          </p:cNvPicPr>
+          <p:nvPr/>
+        </p:nvPicPr>
+        <p:blipFill>
+          <a:blip r:embed="rId3"/>
+          <a:stretch>
+            <a:fillRect/>
+          </a:stretch>
+        </p:blipFill>
+        <p:spPr>
+          <a:xfrm>
+            <a:off x="1718671" y="3011424"/>
+            <a:ext cx="8754658" cy="3481451"/>
+          </a:xfrm>
+          <a:prstGeom prst="rect">
+            <a:avLst/>
+          </a:prstGeom>
+        </p:spPr>
+      </p:pic>
+    </p:spTree>
+    <p:extLst>
+      <p:ext uri="{BB962C8B-B14F-4D97-AF65-F5344CB8AC3E}">
+        <p14:creationId xmlns:p14="http://schemas.microsoft.com/office/powerpoint/2010/main" val="3453098095"/>
+      </p:ext>
+    </p:extLst>
+  </p:cSld>
+  <p:clrMapOvr>
+    <a:masterClrMapping/>
+  </p:clrMapOvr>
+</p:sld>
+</file>
+
+<file path=ppt/slides/slide11.xml><?xml version="1.0" encoding="utf-8"?>
 <p:sld xmlns:a="http://schemas.openxmlformats.org/drawingml/2006/main" xmlns:r="http://schemas.openxmlformats.org/officeDocument/2006/relationships" xmlns:p="http://schemas.openxmlformats.org/presentationml/2006/main">
   <p:cSld>
     <p:spTree>
@@ -5421,7 +5804,7 @@
 </p:sld>
 </file>
 
-<file path=ppt/slides/slide11.xml><?xml version="1.0" encoding="utf-8"?>
+<file path=ppt/slides/slide12.xml><?xml version="1.0" encoding="utf-8"?>
 <p:sld xmlns:a="http://schemas.openxmlformats.org/drawingml/2006/main" xmlns:r="http://schemas.openxmlformats.org/officeDocument/2006/relationships" xmlns:p="http://schemas.openxmlformats.org/presentationml/2006/main">
   <p:cSld>
     <p:spTree>
@@ -5972,7 +6355,7 @@
 </p:sld>
 </file>
 
-<file path=ppt/slides/slide12.xml><?xml version="1.0" encoding="utf-8"?>
+<file path=ppt/slides/slide13.xml><?xml version="1.0" encoding="utf-8"?>
 <p:sld xmlns:a="http://schemas.openxmlformats.org/drawingml/2006/main" xmlns:r="http://schemas.openxmlformats.org/officeDocument/2006/relationships" xmlns:p="http://schemas.openxmlformats.org/presentationml/2006/main">
   <p:cSld>
     <p:spTree>
@@ -6279,7 +6662,7 @@
 </p:sld>
 </file>
 
-<file path=ppt/slides/slide13.xml><?xml version="1.0" encoding="utf-8"?>
+<file path=ppt/slides/slide14.xml><?xml version="1.0" encoding="utf-8"?>
 <p:sld xmlns:a="http://schemas.openxmlformats.org/drawingml/2006/main" xmlns:r="http://schemas.openxmlformats.org/officeDocument/2006/relationships" xmlns:p="http://schemas.openxmlformats.org/presentationml/2006/main">
   <p:cSld>
     <p:spTree>
@@ -6478,7 +6861,7 @@
 </p:sld>
 </file>
 
-<file path=ppt/slides/slide14.xml><?xml version="1.0" encoding="utf-8"?>
+<file path=ppt/slides/slide15.xml><?xml version="1.0" encoding="utf-8"?>
 <p:sld xmlns:a="http://schemas.openxmlformats.org/drawingml/2006/main" xmlns:r="http://schemas.openxmlformats.org/officeDocument/2006/relationships" xmlns:p="http://schemas.openxmlformats.org/presentationml/2006/main">
   <p:cSld>
     <p:spTree>
@@ -6671,7 +7054,7 @@
 </p:sld>
 </file>
 
-<file path=ppt/slides/slide15.xml><?xml version="1.0" encoding="utf-8"?>
+<file path=ppt/slides/slide16.xml><?xml version="1.0" encoding="utf-8"?>
 <p:sld xmlns:a="http://schemas.openxmlformats.org/drawingml/2006/main" xmlns:r="http://schemas.openxmlformats.org/officeDocument/2006/relationships" xmlns:p="http://schemas.openxmlformats.org/presentationml/2006/main">
   <p:cSld>
     <p:spTree>
@@ -6728,136 +7111,6 @@
     <p:extLst>
       <p:ext uri="{BB962C8B-B14F-4D97-AF65-F5344CB8AC3E}">
         <p14:creationId xmlns:p14="http://schemas.microsoft.com/office/powerpoint/2010/main" val="4205693896"/>
-      </p:ext>
-    </p:extLst>
-  </p:cSld>
-  <p:clrMapOvr>
-    <a:masterClrMapping/>
-  </p:clrMapOvr>
-</p:sld>
-</file>
-
-<file path=ppt/slides/slide16.xml><?xml version="1.0" encoding="utf-8"?>
-<p:sld xmlns:a="http://schemas.openxmlformats.org/drawingml/2006/main" xmlns:r="http://schemas.openxmlformats.org/officeDocument/2006/relationships" xmlns:p="http://schemas.openxmlformats.org/presentationml/2006/main">
-  <p:cSld>
-    <p:spTree>
-      <p:nvGrpSpPr>
-        <p:cNvPr id="1" name="">
-          <a:extLst>
-            <a:ext uri="{FF2B5EF4-FFF2-40B4-BE49-F238E27FC236}">
-              <a16:creationId xmlns:a16="http://schemas.microsoft.com/office/drawing/2014/main" id="{A086FF80-7B7F-775D-4426-6A5DA5A0C410}"/>
-            </a:ext>
-          </a:extLst>
-        </p:cNvPr>
-        <p:cNvGrpSpPr/>
-        <p:nvPr/>
-      </p:nvGrpSpPr>
-      <p:grpSpPr>
-        <a:xfrm>
-          <a:off x="0" y="0"/>
-          <a:ext cx="0" cy="0"/>
-          <a:chOff x="0" y="0"/>
-          <a:chExt cx="0" cy="0"/>
-        </a:xfrm>
-      </p:grpSpPr>
-      <p:sp>
-        <p:nvSpPr>
-          <p:cNvPr id="2" name="Titolo 1">
-            <a:extLst>
-              <a:ext uri="{FF2B5EF4-FFF2-40B4-BE49-F238E27FC236}">
-                <a16:creationId xmlns:a16="http://schemas.microsoft.com/office/drawing/2014/main" id="{3F425E5C-E0A5-8B53-97CF-6542B7F97984}"/>
-              </a:ext>
-            </a:extLst>
-          </p:cNvPr>
-          <p:cNvSpPr>
-            <a:spLocks noGrp="1"/>
-          </p:cNvSpPr>
-          <p:nvPr>
-            <p:ph type="title"/>
-          </p:nvPr>
-        </p:nvSpPr>
-        <p:spPr>
-          <a:xfrm>
-            <a:off x="838200" y="95941"/>
-            <a:ext cx="10515600" cy="1325563"/>
-          </a:xfrm>
-        </p:spPr>
-        <p:txBody>
-          <a:bodyPr/>
-          <a:lstStyle/>
-          <a:p>
-            <a:pPr algn="ctr"/>
-            <a:r>
-              <a:rPr lang="it-IT" dirty="0"/>
-              <a:t>Backup</a:t>
-            </a:r>
-          </a:p>
-        </p:txBody>
-      </p:sp>
-      <p:pic>
-        <p:nvPicPr>
-          <p:cNvPr id="4" name="Immagine 3" descr="Immagine che contiene schermata, linea, quadrato, diagramma&#10;&#10;Il contenuto generato dall'IA potrebbe non essere corretto.">
-            <a:extLst>
-              <a:ext uri="{FF2B5EF4-FFF2-40B4-BE49-F238E27FC236}">
-                <a16:creationId xmlns:a16="http://schemas.microsoft.com/office/drawing/2014/main" id="{EF8ECA60-CC1F-71C6-4A53-99077DC12CF9}"/>
-              </a:ext>
-            </a:extLst>
-          </p:cNvPr>
-          <p:cNvPicPr>
-            <a:picLocks noChangeAspect="1"/>
-          </p:cNvPicPr>
-          <p:nvPr/>
-        </p:nvPicPr>
-        <p:blipFill>
-          <a:blip r:embed="rId3"/>
-          <a:stretch>
-            <a:fillRect/>
-          </a:stretch>
-        </p:blipFill>
-        <p:spPr>
-          <a:xfrm>
-            <a:off x="324464" y="1401550"/>
-            <a:ext cx="4778477" cy="4054900"/>
-          </a:xfrm>
-          <a:prstGeom prst="rect">
-            <a:avLst/>
-          </a:prstGeom>
-        </p:spPr>
-      </p:pic>
-      <p:pic>
-        <p:nvPicPr>
-          <p:cNvPr id="6" name="Immagine 5" descr="Immagine che contiene schermata, linea, diagramma, quadrato&#10;&#10;Il contenuto generato dall'IA potrebbe non essere corretto.">
-            <a:extLst>
-              <a:ext uri="{FF2B5EF4-FFF2-40B4-BE49-F238E27FC236}">
-                <a16:creationId xmlns:a16="http://schemas.microsoft.com/office/drawing/2014/main" id="{72DCC590-7323-4018-6A85-DA8914EDC699}"/>
-              </a:ext>
-            </a:extLst>
-          </p:cNvPr>
-          <p:cNvPicPr>
-            <a:picLocks noChangeAspect="1"/>
-          </p:cNvPicPr>
-          <p:nvPr/>
-        </p:nvPicPr>
-        <p:blipFill>
-          <a:blip r:embed="rId4"/>
-          <a:stretch>
-            <a:fillRect/>
-          </a:stretch>
-        </p:blipFill>
-        <p:spPr>
-          <a:xfrm>
-            <a:off x="5492900" y="1391846"/>
-            <a:ext cx="6374635" cy="4054900"/>
-          </a:xfrm>
-          <a:prstGeom prst="rect">
-            <a:avLst/>
-          </a:prstGeom>
-        </p:spPr>
-      </p:pic>
-    </p:spTree>
-    <p:extLst>
-      <p:ext uri="{BB962C8B-B14F-4D97-AF65-F5344CB8AC3E}">
-        <p14:creationId xmlns:p14="http://schemas.microsoft.com/office/powerpoint/2010/main" val="339282445"/>
       </p:ext>
     </p:extLst>
   </p:cSld>
@@ -8769,6 +9022,144 @@
         <p:cNvPr id="1" name="">
           <a:extLst>
             <a:ext uri="{FF2B5EF4-FFF2-40B4-BE49-F238E27FC236}">
+              <a16:creationId xmlns:a16="http://schemas.microsoft.com/office/drawing/2014/main" id="{A086FF80-7B7F-775D-4426-6A5DA5A0C410}"/>
+            </a:ext>
+          </a:extLst>
+        </p:cNvPr>
+        <p:cNvGrpSpPr/>
+        <p:nvPr/>
+      </p:nvGrpSpPr>
+      <p:grpSpPr>
+        <a:xfrm>
+          <a:off x="0" y="0"/>
+          <a:ext cx="0" cy="0"/>
+          <a:chOff x="0" y="0"/>
+          <a:chExt cx="0" cy="0"/>
+        </a:xfrm>
+      </p:grpSpPr>
+      <p:sp>
+        <p:nvSpPr>
+          <p:cNvPr id="2" name="Titolo 1">
+            <a:extLst>
+              <a:ext uri="{FF2B5EF4-FFF2-40B4-BE49-F238E27FC236}">
+                <a16:creationId xmlns:a16="http://schemas.microsoft.com/office/drawing/2014/main" id="{3F425E5C-E0A5-8B53-97CF-6542B7F97984}"/>
+              </a:ext>
+            </a:extLst>
+          </p:cNvPr>
+          <p:cNvSpPr>
+            <a:spLocks noGrp="1"/>
+          </p:cNvSpPr>
+          <p:nvPr>
+            <p:ph type="title"/>
+          </p:nvPr>
+        </p:nvSpPr>
+        <p:spPr>
+          <a:xfrm>
+            <a:off x="838200" y="95941"/>
+            <a:ext cx="10515600" cy="1325563"/>
+          </a:xfrm>
+        </p:spPr>
+        <p:txBody>
+          <a:bodyPr/>
+          <a:lstStyle/>
+          <a:p>
+            <a:pPr algn="ctr"/>
+            <a:r>
+              <a:rPr lang="it-IT" dirty="0"/>
+              <a:t>Oracle Gate – </a:t>
+            </a:r>
+            <a:r>
+              <a:rPr lang="it-IT" dirty="0" err="1"/>
+              <a:t>Examples</a:t>
+            </a:r>
+            <a:r>
+              <a:rPr lang="it-IT" dirty="0"/>
+              <a:t> with M &gt; 1</a:t>
+            </a:r>
+          </a:p>
+        </p:txBody>
+      </p:sp>
+      <p:pic>
+        <p:nvPicPr>
+          <p:cNvPr id="4" name="Immagine 3" descr="Immagine che contiene schermata, linea, quadrato, diagramma&#10;&#10;Il contenuto generato dall'IA potrebbe non essere corretto.">
+            <a:extLst>
+              <a:ext uri="{FF2B5EF4-FFF2-40B4-BE49-F238E27FC236}">
+                <a16:creationId xmlns:a16="http://schemas.microsoft.com/office/drawing/2014/main" id="{EF8ECA60-CC1F-71C6-4A53-99077DC12CF9}"/>
+              </a:ext>
+            </a:extLst>
+          </p:cNvPr>
+          <p:cNvPicPr>
+            <a:picLocks noChangeAspect="1"/>
+          </p:cNvPicPr>
+          <p:nvPr/>
+        </p:nvPicPr>
+        <p:blipFill>
+          <a:blip r:embed="rId3"/>
+          <a:stretch>
+            <a:fillRect/>
+          </a:stretch>
+        </p:blipFill>
+        <p:spPr>
+          <a:xfrm>
+            <a:off x="324464" y="1401550"/>
+            <a:ext cx="4778477" cy="4054900"/>
+          </a:xfrm>
+          <a:prstGeom prst="rect">
+            <a:avLst/>
+          </a:prstGeom>
+        </p:spPr>
+      </p:pic>
+      <p:pic>
+        <p:nvPicPr>
+          <p:cNvPr id="6" name="Immagine 5" descr="Immagine che contiene schermata, linea, diagramma, quadrato&#10;&#10;Il contenuto generato dall'IA potrebbe non essere corretto.">
+            <a:extLst>
+              <a:ext uri="{FF2B5EF4-FFF2-40B4-BE49-F238E27FC236}">
+                <a16:creationId xmlns:a16="http://schemas.microsoft.com/office/drawing/2014/main" id="{72DCC590-7323-4018-6A85-DA8914EDC699}"/>
+              </a:ext>
+            </a:extLst>
+          </p:cNvPr>
+          <p:cNvPicPr>
+            <a:picLocks noChangeAspect="1"/>
+          </p:cNvPicPr>
+          <p:nvPr/>
+        </p:nvPicPr>
+        <p:blipFill>
+          <a:blip r:embed="rId4"/>
+          <a:stretch>
+            <a:fillRect/>
+          </a:stretch>
+        </p:blipFill>
+        <p:spPr>
+          <a:xfrm>
+            <a:off x="5492900" y="1391846"/>
+            <a:ext cx="6374635" cy="4054900"/>
+          </a:xfrm>
+          <a:prstGeom prst="rect">
+            <a:avLst/>
+          </a:prstGeom>
+        </p:spPr>
+      </p:pic>
+    </p:spTree>
+    <p:extLst>
+      <p:ext uri="{BB962C8B-B14F-4D97-AF65-F5344CB8AC3E}">
+        <p14:creationId xmlns:p14="http://schemas.microsoft.com/office/powerpoint/2010/main" val="339282445"/>
+      </p:ext>
+    </p:extLst>
+  </p:cSld>
+  <p:clrMapOvr>
+    <a:masterClrMapping/>
+  </p:clrMapOvr>
+</p:sld>
+</file>
+
+<file path=ppt/slides/slide8.xml><?xml version="1.0" encoding="utf-8"?>
+<p:sld xmlns:a="http://schemas.openxmlformats.org/drawingml/2006/main" xmlns:r="http://schemas.openxmlformats.org/officeDocument/2006/relationships" xmlns:p="http://schemas.openxmlformats.org/presentationml/2006/main">
+  <p:cSld>
+    <p:spTree>
+      <p:nvGrpSpPr>
+        <p:cNvPr id="1" name="">
+          <a:extLst>
+            <a:ext uri="{FF2B5EF4-FFF2-40B4-BE49-F238E27FC236}">
               <a16:creationId xmlns:a16="http://schemas.microsoft.com/office/drawing/2014/main" id="{E089A1B5-2387-C087-DDDD-9BC0F1874492}"/>
             </a:ext>
           </a:extLst>
@@ -9273,7 +9664,7 @@
 </p:sld>
 </file>
 
-<file path=ppt/slides/slide8.xml><?xml version="1.0" encoding="utf-8"?>
+<file path=ppt/slides/slide9.xml><?xml version="1.0" encoding="utf-8"?>
 <p:sld xmlns:a="http://schemas.openxmlformats.org/drawingml/2006/main" xmlns:r="http://schemas.openxmlformats.org/officeDocument/2006/relationships" xmlns:p="http://schemas.openxmlformats.org/presentationml/2006/main">
   <p:cSld>
     <p:spTree>
@@ -9432,389 +9823,6 @@
     <p:extLst>
       <p:ext uri="{BB962C8B-B14F-4D97-AF65-F5344CB8AC3E}">
         <p14:creationId xmlns:p14="http://schemas.microsoft.com/office/powerpoint/2010/main" val="512019847"/>
-      </p:ext>
-    </p:extLst>
-  </p:cSld>
-  <p:clrMapOvr>
-    <a:masterClrMapping/>
-  </p:clrMapOvr>
-</p:sld>
-</file>
-
-<file path=ppt/slides/slide9.xml><?xml version="1.0" encoding="utf-8"?>
-<p:sld xmlns:a="http://schemas.openxmlformats.org/drawingml/2006/main" xmlns:r="http://schemas.openxmlformats.org/officeDocument/2006/relationships" xmlns:p="http://schemas.openxmlformats.org/presentationml/2006/main">
-  <p:cSld>
-    <p:spTree>
-      <p:nvGrpSpPr>
-        <p:cNvPr id="1" name="">
-          <a:extLst>
-            <a:ext uri="{FF2B5EF4-FFF2-40B4-BE49-F238E27FC236}">
-              <a16:creationId xmlns:a16="http://schemas.microsoft.com/office/drawing/2014/main" id="{42E8291B-E4F5-CD48-B4AB-366B86D6C389}"/>
-            </a:ext>
-          </a:extLst>
-        </p:cNvPr>
-        <p:cNvGrpSpPr/>
-        <p:nvPr/>
-      </p:nvGrpSpPr>
-      <p:grpSpPr>
-        <a:xfrm>
-          <a:off x="0" y="0"/>
-          <a:ext cx="0" cy="0"/>
-          <a:chOff x="0" y="0"/>
-          <a:chExt cx="0" cy="0"/>
-        </a:xfrm>
-      </p:grpSpPr>
-      <p:sp>
-        <p:nvSpPr>
-          <p:cNvPr id="2" name="Titolo 1">
-            <a:extLst>
-              <a:ext uri="{FF2B5EF4-FFF2-40B4-BE49-F238E27FC236}">
-                <a16:creationId xmlns:a16="http://schemas.microsoft.com/office/drawing/2014/main" id="{997322C2-8C80-0356-69AF-4912C4A02C16}"/>
-              </a:ext>
-            </a:extLst>
-          </p:cNvPr>
-          <p:cNvSpPr>
-            <a:spLocks noGrp="1"/>
-          </p:cNvSpPr>
-          <p:nvPr>
-            <p:ph type="title"/>
-          </p:nvPr>
-        </p:nvSpPr>
-        <p:spPr/>
-        <p:txBody>
-          <a:bodyPr/>
-          <a:lstStyle/>
-          <a:p>
-            <a:pPr algn="ctr"/>
-            <a:r>
-              <a:rPr lang="it-IT" dirty="0"/>
-              <a:t>Grover </a:t>
-            </a:r>
-            <a:r>
-              <a:rPr lang="it-IT" dirty="0" err="1"/>
-              <a:t>Algorithm</a:t>
-            </a:r>
-            <a:endParaRPr lang="it-IT" dirty="0"/>
-          </a:p>
-        </p:txBody>
-      </p:sp>
-      <mc:AlternateContent xmlns:mc="http://schemas.openxmlformats.org/markup-compatibility/2006" xmlns:a14="http://schemas.microsoft.com/office/drawing/2010/main">
-        <mc:Choice Requires="a14">
-          <p:sp>
-            <p:nvSpPr>
-              <p:cNvPr id="3" name="Segnaposto contenuto 2">
-                <a:extLst>
-                  <a:ext uri="{FF2B5EF4-FFF2-40B4-BE49-F238E27FC236}">
-                    <a16:creationId xmlns:a16="http://schemas.microsoft.com/office/drawing/2014/main" id="{C53905C9-C75B-3977-9733-A69036C70F57}"/>
-                  </a:ext>
-                </a:extLst>
-              </p:cNvPr>
-              <p:cNvSpPr>
-                <a:spLocks noGrp="1"/>
-              </p:cNvSpPr>
-              <p:nvPr>
-                <p:ph idx="1"/>
-              </p:nvPr>
-            </p:nvSpPr>
-            <p:spPr>
-              <a:xfrm>
-                <a:off x="838200" y="1533017"/>
-                <a:ext cx="10515600" cy="4351338"/>
-              </a:xfrm>
-            </p:spPr>
-            <p:txBody>
-              <a:bodyPr/>
-              <a:lstStyle/>
-              <a:p>
-                <a:pPr marL="0" indent="0" algn="ctr">
-                  <a:buNone/>
-                </a:pPr>
-                <a:r>
-                  <a:rPr lang="it-IT" dirty="0"/>
-                  <a:t>Start with </a:t>
-                </a:r>
-                <a14:m>
-                  <m:oMath xmlns:m="http://schemas.openxmlformats.org/officeDocument/2006/math">
-                    <m:sSup>
-                      <m:sSupPr>
-                        <m:ctrlPr>
-                          <a:rPr lang="it-IT" b="0" i="1" smtClean="0">
-                            <a:latin typeface="Cambria Math" panose="02040503050406030204" pitchFamily="18" charset="0"/>
-                          </a:rPr>
-                        </m:ctrlPr>
-                      </m:sSupPr>
-                      <m:e>
-                        <m:d>
-                          <m:dPr>
-                            <m:begChr m:val="|"/>
-                            <m:endChr m:val="⟩"/>
-                            <m:ctrlPr>
-                              <a:rPr lang="it-IT" b="0" i="1" smtClean="0">
-                                <a:latin typeface="Cambria Math" panose="02040503050406030204" pitchFamily="18" charset="0"/>
-                              </a:rPr>
-                            </m:ctrlPr>
-                          </m:dPr>
-                          <m:e>
-                            <m:r>
-                              <a:rPr lang="it-IT" b="0" i="1" smtClean="0">
-                                <a:latin typeface="Cambria Math" panose="02040503050406030204" pitchFamily="18" charset="0"/>
-                              </a:rPr>
-                              <m:t>0</m:t>
-                            </m:r>
-                          </m:e>
-                        </m:d>
-                      </m:e>
-                      <m:sup>
-                        <m:r>
-                          <a:rPr lang="it-IT" b="0" i="1" smtClean="0">
-                            <a:latin typeface="Cambria Math" panose="02040503050406030204" pitchFamily="18" charset="0"/>
-                          </a:rPr>
-                          <m:t>⊗</m:t>
-                        </m:r>
-                        <m:r>
-                          <a:rPr lang="it-IT" b="0" i="1" smtClean="0">
-                            <a:latin typeface="Cambria Math" panose="02040503050406030204" pitchFamily="18" charset="0"/>
-                          </a:rPr>
-                          <m:t>𝑛</m:t>
-                        </m:r>
-                        <m:r>
-                          <a:rPr lang="it-IT" b="0" i="1" smtClean="0">
-                            <a:latin typeface="Cambria Math" panose="02040503050406030204" pitchFamily="18" charset="0"/>
-                          </a:rPr>
-                          <m:t>+1</m:t>
-                        </m:r>
-                      </m:sup>
-                    </m:sSup>
-                  </m:oMath>
-                </a14:m>
-                <a:r>
-                  <a:rPr lang="it-IT" dirty="0"/>
-                  <a:t>, </a:t>
-                </a:r>
-                <a:r>
-                  <a:rPr lang="it-IT" dirty="0" err="1"/>
-                  <a:t>apply</a:t>
-                </a:r>
-                <a:r>
-                  <a:rPr lang="it-IT" dirty="0"/>
-                  <a:t> </a:t>
-                </a:r>
-                <a:r>
-                  <a:rPr lang="it-IT" i="1" dirty="0"/>
-                  <a:t>X</a:t>
-                </a:r>
-                <a:r>
-                  <a:rPr lang="it-IT" dirty="0"/>
-                  <a:t> to the ancilla, </a:t>
-                </a:r>
-                <a:r>
-                  <a:rPr lang="it-IT" dirty="0" err="1"/>
-                  <a:t>then</a:t>
-                </a:r>
-                <a:r>
-                  <a:rPr lang="it-IT" dirty="0"/>
-                  <a:t> </a:t>
-                </a:r>
-                <a14:m>
-                  <m:oMath xmlns:m="http://schemas.openxmlformats.org/officeDocument/2006/math">
-                    <m:sSup>
-                      <m:sSupPr>
-                        <m:ctrlPr>
-                          <a:rPr lang="it-IT" b="0" i="1" smtClean="0">
-                            <a:latin typeface="Cambria Math" panose="02040503050406030204" pitchFamily="18" charset="0"/>
-                          </a:rPr>
-                        </m:ctrlPr>
-                      </m:sSupPr>
-                      <m:e>
-                        <m:r>
-                          <m:rPr>
-                            <m:sty m:val="p"/>
-                          </m:rPr>
-                          <a:rPr lang="it-IT" b="0" i="1" smtClean="0">
-                            <a:latin typeface="Cambria Math" panose="02040503050406030204" pitchFamily="18" charset="0"/>
-                          </a:rPr>
-                          <m:t>H</m:t>
-                        </m:r>
-                      </m:e>
-                      <m:sup>
-                        <m:r>
-                          <a:rPr lang="it-IT" b="0" i="1" smtClean="0">
-                            <a:latin typeface="Cambria Math" panose="02040503050406030204" pitchFamily="18" charset="0"/>
-                          </a:rPr>
-                          <m:t>⊗</m:t>
-                        </m:r>
-                        <m:r>
-                          <a:rPr lang="it-IT" b="0" i="1" smtClean="0">
-                            <a:latin typeface="Cambria Math" panose="02040503050406030204" pitchFamily="18" charset="0"/>
-                          </a:rPr>
-                          <m:t>𝑛</m:t>
-                        </m:r>
-                        <m:r>
-                          <a:rPr lang="it-IT" b="0" i="1" smtClean="0">
-                            <a:latin typeface="Cambria Math" panose="02040503050406030204" pitchFamily="18" charset="0"/>
-                          </a:rPr>
-                          <m:t>+1</m:t>
-                        </m:r>
-                      </m:sup>
-                    </m:sSup>
-                  </m:oMath>
-                </a14:m>
-                <a:endParaRPr lang="it-IT" dirty="0"/>
-              </a:p>
-              <a:p>
-                <a:pPr marL="0" indent="0" algn="ctr">
-                  <a:buNone/>
-                </a:pPr>
-                <a:r>
-                  <a:rPr lang="it-IT" dirty="0"/>
-                  <a:t>The </a:t>
-                </a:r>
-                <a:r>
-                  <a:rPr lang="it-IT" dirty="0" err="1"/>
-                  <a:t>whole</a:t>
-                </a:r>
-                <a:r>
-                  <a:rPr lang="it-IT" dirty="0"/>
-                  <a:t> </a:t>
-                </a:r>
-                <a:r>
-                  <a:rPr lang="it-IT" dirty="0" err="1"/>
-                  <a:t>algorithm</a:t>
-                </a:r>
-                <a:r>
-                  <a:rPr lang="it-IT" dirty="0"/>
-                  <a:t> </a:t>
-                </a:r>
-                <a:r>
-                  <a:rPr lang="it-IT" dirty="0" err="1"/>
-                  <a:t>then</a:t>
-                </a:r>
-                <a:r>
-                  <a:rPr lang="it-IT" dirty="0"/>
-                  <a:t> </a:t>
-                </a:r>
-                <a:r>
-                  <a:rPr lang="it-IT" dirty="0" err="1"/>
-                  <a:t>consists</a:t>
-                </a:r>
-                <a:r>
-                  <a:rPr lang="it-IT" dirty="0"/>
-                  <a:t> in the </a:t>
-                </a:r>
-                <a:r>
-                  <a:rPr lang="it-IT" dirty="0" err="1"/>
-                  <a:t>concatenation</a:t>
-                </a:r>
-                <a:r>
-                  <a:rPr lang="it-IT" dirty="0"/>
-                  <a:t> of the Oracle and the </a:t>
-                </a:r>
-                <a:r>
-                  <a:rPr lang="it-IT" dirty="0" err="1"/>
-                  <a:t>Diffuser</a:t>
-                </a:r>
-                <a:r>
-                  <a:rPr lang="it-IT" dirty="0"/>
-                  <a:t>, </a:t>
-                </a:r>
-                <a:r>
-                  <a:rPr lang="it-IT" dirty="0" err="1"/>
-                  <a:t>performed</a:t>
-                </a:r>
-                <a:r>
-                  <a:rPr lang="it-IT" dirty="0"/>
-                  <a:t> for </a:t>
-                </a:r>
-                <a:r>
-                  <a:rPr lang="it-IT" i="1" dirty="0"/>
-                  <a:t>k</a:t>
-                </a:r>
-                <a:r>
-                  <a:rPr lang="it-IT" dirty="0"/>
-                  <a:t> times.</a:t>
-                </a:r>
-              </a:p>
-            </p:txBody>
-          </p:sp>
-        </mc:Choice>
-        <mc:Fallback xmlns="">
-          <p:sp>
-            <p:nvSpPr>
-              <p:cNvPr id="3" name="Segnaposto contenuto 2">
-                <a:extLst>
-                  <a:ext uri="{FF2B5EF4-FFF2-40B4-BE49-F238E27FC236}">
-                    <a16:creationId xmlns:a16="http://schemas.microsoft.com/office/drawing/2014/main" id="{C53905C9-C75B-3977-9733-A69036C70F57}"/>
-                  </a:ext>
-                </a:extLst>
-              </p:cNvPr>
-              <p:cNvSpPr>
-                <a:spLocks noGrp="1" noRot="1" noChangeAspect="1" noMove="1" noResize="1" noEditPoints="1" noAdjustHandles="1" noChangeArrowheads="1" noChangeShapeType="1" noTextEdit="1"/>
-              </p:cNvSpPr>
-              <p:nvPr>
-                <p:ph idx="1"/>
-              </p:nvPr>
-            </p:nvSpPr>
-            <p:spPr>
-              <a:xfrm>
-                <a:off x="838200" y="1533017"/>
-                <a:ext cx="10515600" cy="4351338"/>
-              </a:xfrm>
-              <a:blipFill>
-                <a:blip r:embed="rId2"/>
-                <a:stretch>
-                  <a:fillRect t="-1961"/>
-                </a:stretch>
-              </a:blipFill>
-            </p:spPr>
-            <p:txBody>
-              <a:bodyPr/>
-              <a:lstStyle/>
-              <a:p>
-                <a:r>
-                  <a:rPr lang="it-IT">
-                    <a:noFill/>
-                  </a:rPr>
-                  <a:t> </a:t>
-                </a:r>
-              </a:p>
-            </p:txBody>
-          </p:sp>
-        </mc:Fallback>
-      </mc:AlternateContent>
-      <p:pic>
-        <p:nvPicPr>
-          <p:cNvPr id="7" name="Immagine 6" descr="Immagine che contiene linea, schermata, diagramma, quadrato&#10;&#10;Il contenuto generato dall'IA potrebbe non essere corretto.">
-            <a:extLst>
-              <a:ext uri="{FF2B5EF4-FFF2-40B4-BE49-F238E27FC236}">
-                <a16:creationId xmlns:a16="http://schemas.microsoft.com/office/drawing/2014/main" id="{68F55E78-4195-E67F-05DE-CE3225654039}"/>
-              </a:ext>
-            </a:extLst>
-          </p:cNvPr>
-          <p:cNvPicPr>
-            <a:picLocks noChangeAspect="1"/>
-          </p:cNvPicPr>
-          <p:nvPr/>
-        </p:nvPicPr>
-        <p:blipFill>
-          <a:blip r:embed="rId3"/>
-          <a:stretch>
-            <a:fillRect/>
-          </a:stretch>
-        </p:blipFill>
-        <p:spPr>
-          <a:xfrm>
-            <a:off x="1718671" y="3011424"/>
-            <a:ext cx="8754658" cy="3481451"/>
-          </a:xfrm>
-          <a:prstGeom prst="rect">
-            <a:avLst/>
-          </a:prstGeom>
-        </p:spPr>
-      </p:pic>
-    </p:spTree>
-    <p:extLst>
-      <p:ext uri="{BB962C8B-B14F-4D97-AF65-F5344CB8AC3E}">
-        <p14:creationId xmlns:p14="http://schemas.microsoft.com/office/powerpoint/2010/main" val="3453098095"/>
       </p:ext>
     </p:extLst>
   </p:cSld>
